--- a/cats and dogs.pptx
+++ b/cats and dogs.pptx
@@ -3150,26 +3150,115 @@
           <a:bodyPr/>
           <a:lstStyle/>
           <a:p>
-            <a:endParaRPr lang="en-US"/>
-          </a:p>
-        </p:txBody>
-      </p:sp>
-      <p:sp>
-        <p:nvSpPr>
-          <p:cNvPr id="3" name="Content Placeholder 2"/>
-          <p:cNvSpPr>
-            <a:spLocks noGrp="1"/>
-          </p:cNvSpPr>
-          <p:nvPr>
-            <p:ph idx="1"/>
-          </p:nvPr>
-        </p:nvSpPr>
-        <p:spPr/>
-        <p:txBody>
-          <a:bodyPr/>
-          <a:lstStyle/>
-          <a:p>
-            <a:endParaRPr lang="en-US"/>
+            <a:r>
+              <a:rPr lang="en-US" dirty="0" smtClean="0"/>
+              <a:t>Overview</a:t>
+            </a:r>
+            <a:endParaRPr lang="en-US" dirty="0"/>
+          </a:p>
+        </p:txBody>
+      </p:sp>
+      <p:sp>
+        <p:nvSpPr>
+          <p:cNvPr id="6" name="Text Placeholder 5"/>
+          <p:cNvSpPr>
+            <a:spLocks noGrp="1"/>
+          </p:cNvSpPr>
+          <p:nvPr>
+            <p:ph type="body" idx="1"/>
+          </p:nvPr>
+        </p:nvSpPr>
+        <p:spPr/>
+        <p:txBody>
+          <a:bodyPr/>
+          <a:lstStyle/>
+          <a:p>
+            <a:r>
+              <a:rPr lang="en-US" dirty="0" smtClean="0"/>
+              <a:t>Features</a:t>
+            </a:r>
+            <a:endParaRPr lang="en-US" dirty="0"/>
+          </a:p>
+        </p:txBody>
+      </p:sp>
+      <p:sp>
+        <p:nvSpPr>
+          <p:cNvPr id="7" name="Content Placeholder 6"/>
+          <p:cNvSpPr>
+            <a:spLocks noGrp="1"/>
+          </p:cNvSpPr>
+          <p:nvPr>
+            <p:ph sz="half" idx="2"/>
+          </p:nvPr>
+        </p:nvSpPr>
+        <p:spPr/>
+        <p:txBody>
+          <a:bodyPr/>
+          <a:lstStyle/>
+          <a:p>
+            <a:r>
+              <a:rPr lang="en-US" dirty="0" smtClean="0"/>
+              <a:t>Old: color histograms</a:t>
+            </a:r>
+          </a:p>
+          <a:p>
+            <a:r>
+              <a:rPr lang="en-US" smtClean="0"/>
+              <a:t>New: </a:t>
+            </a:r>
+            <a:endParaRPr lang="en-US" dirty="0"/>
+          </a:p>
+        </p:txBody>
+      </p:sp>
+      <p:sp>
+        <p:nvSpPr>
+          <p:cNvPr id="8" name="Text Placeholder 7"/>
+          <p:cNvSpPr>
+            <a:spLocks noGrp="1"/>
+          </p:cNvSpPr>
+          <p:nvPr>
+            <p:ph type="body" sz="quarter" idx="3"/>
+          </p:nvPr>
+        </p:nvSpPr>
+        <p:spPr/>
+        <p:txBody>
+          <a:bodyPr/>
+          <a:lstStyle/>
+          <a:p>
+            <a:r>
+              <a:rPr lang="en-US" dirty="0" smtClean="0"/>
+              <a:t>Models</a:t>
+            </a:r>
+            <a:endParaRPr lang="en-US" dirty="0"/>
+          </a:p>
+        </p:txBody>
+      </p:sp>
+      <p:sp>
+        <p:nvSpPr>
+          <p:cNvPr id="9" name="Content Placeholder 8"/>
+          <p:cNvSpPr>
+            <a:spLocks noGrp="1"/>
+          </p:cNvSpPr>
+          <p:nvPr>
+            <p:ph sz="quarter" idx="4"/>
+          </p:nvPr>
+        </p:nvSpPr>
+        <p:spPr/>
+        <p:txBody>
+          <a:bodyPr/>
+          <a:lstStyle/>
+          <a:p>
+            <a:r>
+              <a:rPr lang="en-US" dirty="0" smtClean="0"/>
+              <a:t>Baseline</a:t>
+            </a:r>
+          </a:p>
+          <a:p>
+            <a:r>
+              <a:rPr lang="en-US" dirty="0" smtClean="0"/>
+              <a:t>Advanced</a:t>
+            </a:r>
+            <a:endParaRPr lang="en-US" dirty="0"/>
           </a:p>
         </p:txBody>
       </p:sp>

--- a/cats and dogs.pptx
+++ b/cats and dogs.pptx
@@ -7,6 +7,13 @@
   <p:sldIdLst>
     <p:sldId id="256" r:id="rId2"/>
     <p:sldId id="257" r:id="rId3"/>
+    <p:sldId id="258" r:id="rId4"/>
+    <p:sldId id="259" r:id="rId5"/>
+    <p:sldId id="260" r:id="rId6"/>
+    <p:sldId id="261" r:id="rId7"/>
+    <p:sldId id="262" r:id="rId8"/>
+    <p:sldId id="263" r:id="rId9"/>
+    <p:sldId id="264" r:id="rId10"/>
   </p:sldIdLst>
   <p:sldSz cx="9144000" cy="6858000" type="screen4x3"/>
   <p:notesSz cx="6858000" cy="9144000"/>
@@ -3168,11 +3175,17 @@
             <p:ph type="body" idx="1"/>
           </p:nvPr>
         </p:nvSpPr>
-        <p:spPr/>
-        <p:txBody>
-          <a:bodyPr/>
-          <a:lstStyle/>
-          <a:p>
+        <p:spPr>
+          <a:xfrm>
+            <a:off x="457200" y="1524000"/>
+            <a:ext cx="4040188" cy="639762"/>
+          </a:xfrm>
+        </p:spPr>
+        <p:txBody>
+          <a:bodyPr/>
+          <a:lstStyle/>
+          <a:p>
+            <a:pPr algn="ctr"/>
             <a:r>
               <a:rPr lang="en-US" dirty="0" smtClean="0"/>
               <a:t>Features</a:t>
@@ -3196,16 +3209,55 @@
           <a:bodyPr/>
           <a:lstStyle/>
           <a:p>
+            <a:endParaRPr lang="en-US" dirty="0" smtClean="0"/>
+          </a:p>
+          <a:p>
             <a:r>
               <a:rPr lang="en-US" dirty="0" smtClean="0"/>
-              <a:t>Old: color histograms</a:t>
-            </a:r>
-          </a:p>
-          <a:p>
-            <a:r>
-              <a:rPr lang="en-US" smtClean="0"/>
+              <a:t>Old</a:t>
+            </a:r>
+            <a:r>
+              <a:rPr lang="en-US" dirty="0" smtClean="0"/>
+              <a:t>: color </a:t>
+            </a:r>
+            <a:r>
+              <a:rPr lang="en-US" dirty="0" smtClean="0"/>
+              <a:t>histograms</a:t>
+            </a:r>
+          </a:p>
+          <a:p>
+            <a:pPr lvl="1"/>
+            <a:r>
+              <a:rPr lang="en-US" dirty="0" smtClean="0"/>
+              <a:t>800 predictors</a:t>
+            </a:r>
+          </a:p>
+          <a:p>
+            <a:pPr marL="457200" lvl="1" indent="0">
+              <a:buNone/>
+            </a:pPr>
+            <a:endParaRPr lang="en-US" dirty="0" smtClean="0"/>
+          </a:p>
+          <a:p>
+            <a:r>
+              <a:rPr lang="en-US" dirty="0" smtClean="0"/>
               <a:t>New: </a:t>
             </a:r>
+            <a:r>
+              <a:rPr lang="en-US" dirty="0" smtClean="0"/>
+              <a:t>11 features of </a:t>
+            </a:r>
+            <a:r>
+              <a:rPr lang="en-US" dirty="0" smtClean="0"/>
+              <a:t>8 largest edge objects</a:t>
+            </a:r>
+          </a:p>
+          <a:p>
+            <a:pPr lvl="1"/>
+            <a:r>
+              <a:rPr lang="en-US" dirty="0" smtClean="0"/>
+              <a:t>88 predictors</a:t>
+            </a:r>
             <a:endParaRPr lang="en-US" dirty="0"/>
           </a:p>
         </p:txBody>
@@ -3225,6 +3277,7 @@
           <a:bodyPr/>
           <a:lstStyle/>
           <a:p>
+            <a:pPr algn="ctr"/>
             <a:r>
               <a:rPr lang="en-US" dirty="0" smtClean="0"/>
               <a:t>Models</a:t>
@@ -3248,15 +3301,30 @@
           <a:bodyPr/>
           <a:lstStyle/>
           <a:p>
+            <a:endParaRPr lang="en-US" dirty="0" smtClean="0"/>
+          </a:p>
+          <a:p>
             <a:r>
               <a:rPr lang="en-US" dirty="0" smtClean="0"/>
-              <a:t>Baseline</a:t>
-            </a:r>
+              <a:t>Baseline: linear SVM</a:t>
+            </a:r>
+          </a:p>
+          <a:p>
+            <a:pPr marL="0" indent="0">
+              <a:buNone/>
+            </a:pPr>
+            <a:endParaRPr lang="en-US" dirty="0" smtClean="0"/>
+          </a:p>
+          <a:p>
+            <a:pPr marL="0" indent="0">
+              <a:buNone/>
+            </a:pPr>
+            <a:endParaRPr lang="en-US" dirty="0" smtClean="0"/>
           </a:p>
           <a:p>
             <a:r>
               <a:rPr lang="en-US" dirty="0" smtClean="0"/>
-              <a:t>Advanced</a:t>
+              <a:t>Advanced: gradient boosting model (GBM)</a:t>
             </a:r>
             <a:endParaRPr lang="en-US" dirty="0"/>
           </a:p>
@@ -3266,6 +3334,1588 @@
     <p:extLst>
       <p:ext uri="{BB962C8B-B14F-4D97-AF65-F5344CB8AC3E}">
         <p14:creationId xmlns:p14="http://schemas.microsoft.com/office/powerpoint/2010/main" val="778745354"/>
+      </p:ext>
+    </p:extLst>
+  </p:cSld>
+  <p:clrMapOvr>
+    <a:masterClrMapping/>
+  </p:clrMapOvr>
+</p:sld>
+</file>
+
+<file path=ppt/slides/slide3.xml><?xml version="1.0" encoding="utf-8"?>
+<p:sld xmlns:a="http://schemas.openxmlformats.org/drawingml/2006/main" xmlns:r="http://schemas.openxmlformats.org/officeDocument/2006/relationships" xmlns:p="http://schemas.openxmlformats.org/presentationml/2006/main">
+  <p:cSld>
+    <p:spTree>
+      <p:nvGrpSpPr>
+        <p:cNvPr id="1" name=""/>
+        <p:cNvGrpSpPr/>
+        <p:nvPr/>
+      </p:nvGrpSpPr>
+      <p:grpSpPr>
+        <a:xfrm>
+          <a:off x="0" y="0"/>
+          <a:ext cx="0" cy="0"/>
+          <a:chOff x="0" y="0"/>
+          <a:chExt cx="0" cy="0"/>
+        </a:xfrm>
+      </p:grpSpPr>
+      <p:sp>
+        <p:nvSpPr>
+          <p:cNvPr id="7" name="Title 6"/>
+          <p:cNvSpPr>
+            <a:spLocks noGrp="1"/>
+          </p:cNvSpPr>
+          <p:nvPr>
+            <p:ph type="title"/>
+          </p:nvPr>
+        </p:nvSpPr>
+        <p:spPr/>
+        <p:txBody>
+          <a:bodyPr/>
+          <a:lstStyle/>
+          <a:p>
+            <a:r>
+              <a:rPr lang="en-US" dirty="0" smtClean="0"/>
+              <a:t>New Features</a:t>
+            </a:r>
+            <a:endParaRPr lang="en-US" dirty="0"/>
+          </a:p>
+        </p:txBody>
+      </p:sp>
+      <p:pic>
+        <p:nvPicPr>
+          <p:cNvPr id="1026" name="Picture 2"/>
+          <p:cNvPicPr>
+            <a:picLocks noChangeAspect="1" noChangeArrowheads="1"/>
+          </p:cNvPicPr>
+          <p:nvPr/>
+        </p:nvPicPr>
+        <p:blipFill>
+          <a:blip r:embed="rId2" cstate="print">
+            <a:extLst>
+              <a:ext uri="{28A0092B-C50C-407E-A947-70E740481C1C}">
+                <a14:useLocalDpi xmlns:a14="http://schemas.microsoft.com/office/drawing/2010/main" val="0"/>
+              </a:ext>
+            </a:extLst>
+          </a:blip>
+          <a:srcRect/>
+          <a:stretch>
+            <a:fillRect/>
+          </a:stretch>
+        </p:blipFill>
+        <p:spPr bwMode="auto">
+          <a:xfrm>
+            <a:off x="685800" y="2360732"/>
+            <a:ext cx="2438399" cy="1623631"/>
+          </a:xfrm>
+          <a:prstGeom prst="rect">
+            <a:avLst/>
+          </a:prstGeom>
+          <a:noFill/>
+          <a:ln>
+            <a:noFill/>
+          </a:ln>
+          <a:extLst>
+            <a:ext uri="{909E8E84-426E-40DD-AFC4-6F175D3DCCD1}">
+              <a14:hiddenFill xmlns:a14="http://schemas.microsoft.com/office/drawing/2010/main">
+                <a:solidFill>
+                  <a:schemeClr val="accent1"/>
+                </a:solidFill>
+              </a14:hiddenFill>
+            </a:ext>
+            <a:ext uri="{91240B29-F687-4F45-9708-019B960494DF}">
+              <a14:hiddenLine xmlns:a14="http://schemas.microsoft.com/office/drawing/2010/main" w="9525">
+                <a:solidFill>
+                  <a:schemeClr val="tx1"/>
+                </a:solidFill>
+                <a:miter lim="800000"/>
+                <a:headEnd/>
+                <a:tailEnd/>
+              </a14:hiddenLine>
+            </a:ext>
+          </a:extLst>
+        </p:spPr>
+      </p:pic>
+      <p:pic>
+        <p:nvPicPr>
+          <p:cNvPr id="1027" name="Picture 3"/>
+          <p:cNvPicPr>
+            <a:picLocks noChangeAspect="1" noChangeArrowheads="1"/>
+          </p:cNvPicPr>
+          <p:nvPr/>
+        </p:nvPicPr>
+        <p:blipFill>
+          <a:blip r:embed="rId3" cstate="print">
+            <a:extLst>
+              <a:ext uri="{28A0092B-C50C-407E-A947-70E740481C1C}">
+                <a14:useLocalDpi xmlns:a14="http://schemas.microsoft.com/office/drawing/2010/main" val="0"/>
+              </a:ext>
+            </a:extLst>
+          </a:blip>
+          <a:srcRect/>
+          <a:stretch>
+            <a:fillRect/>
+          </a:stretch>
+        </p:blipFill>
+        <p:spPr bwMode="auto">
+          <a:xfrm>
+            <a:off x="3588565" y="1538731"/>
+            <a:ext cx="2451772" cy="1623631"/>
+          </a:xfrm>
+          <a:prstGeom prst="rect">
+            <a:avLst/>
+          </a:prstGeom>
+          <a:noFill/>
+          <a:ln>
+            <a:noFill/>
+          </a:ln>
+          <a:extLst>
+            <a:ext uri="{909E8E84-426E-40DD-AFC4-6F175D3DCCD1}">
+              <a14:hiddenFill xmlns:a14="http://schemas.microsoft.com/office/drawing/2010/main">
+                <a:solidFill>
+                  <a:schemeClr val="accent1"/>
+                </a:solidFill>
+              </a14:hiddenFill>
+            </a:ext>
+            <a:ext uri="{91240B29-F687-4F45-9708-019B960494DF}">
+              <a14:hiddenLine xmlns:a14="http://schemas.microsoft.com/office/drawing/2010/main" w="9525">
+                <a:solidFill>
+                  <a:schemeClr val="tx1"/>
+                </a:solidFill>
+                <a:miter lim="800000"/>
+                <a:headEnd/>
+                <a:tailEnd/>
+              </a14:hiddenLine>
+            </a:ext>
+          </a:extLst>
+        </p:spPr>
+      </p:pic>
+      <p:pic>
+        <p:nvPicPr>
+          <p:cNvPr id="1028" name="Picture 4"/>
+          <p:cNvPicPr>
+            <a:picLocks noChangeAspect="1" noChangeArrowheads="1"/>
+          </p:cNvPicPr>
+          <p:nvPr/>
+        </p:nvPicPr>
+        <p:blipFill>
+          <a:blip r:embed="rId4" cstate="print">
+            <a:extLst>
+              <a:ext uri="{28A0092B-C50C-407E-A947-70E740481C1C}">
+                <a14:useLocalDpi xmlns:a14="http://schemas.microsoft.com/office/drawing/2010/main" val="0"/>
+              </a:ext>
+            </a:extLst>
+          </a:blip>
+          <a:srcRect/>
+          <a:stretch>
+            <a:fillRect/>
+          </a:stretch>
+        </p:blipFill>
+        <p:spPr bwMode="auto">
+          <a:xfrm>
+            <a:off x="6589299" y="2360733"/>
+            <a:ext cx="2471981" cy="1644001"/>
+          </a:xfrm>
+          <a:prstGeom prst="rect">
+            <a:avLst/>
+          </a:prstGeom>
+          <a:noFill/>
+          <a:ln>
+            <a:noFill/>
+          </a:ln>
+          <a:extLst>
+            <a:ext uri="{909E8E84-426E-40DD-AFC4-6F175D3DCCD1}">
+              <a14:hiddenFill xmlns:a14="http://schemas.microsoft.com/office/drawing/2010/main">
+                <a:solidFill>
+                  <a:schemeClr val="accent1"/>
+                </a:solidFill>
+              </a14:hiddenFill>
+            </a:ext>
+            <a:ext uri="{91240B29-F687-4F45-9708-019B960494DF}">
+              <a14:hiddenLine xmlns:a14="http://schemas.microsoft.com/office/drawing/2010/main" w="9525">
+                <a:solidFill>
+                  <a:schemeClr val="tx1"/>
+                </a:solidFill>
+                <a:miter lim="800000"/>
+                <a:headEnd/>
+                <a:tailEnd/>
+              </a14:hiddenLine>
+            </a:ext>
+          </a:extLst>
+        </p:spPr>
+      </p:pic>
+      <p:pic>
+        <p:nvPicPr>
+          <p:cNvPr id="1029" name="Picture 5"/>
+          <p:cNvPicPr>
+            <a:picLocks noChangeAspect="1" noChangeArrowheads="1"/>
+          </p:cNvPicPr>
+          <p:nvPr/>
+        </p:nvPicPr>
+        <p:blipFill>
+          <a:blip r:embed="rId5" cstate="print">
+            <a:extLst>
+              <a:ext uri="{28A0092B-C50C-407E-A947-70E740481C1C}">
+                <a14:useLocalDpi xmlns:a14="http://schemas.microsoft.com/office/drawing/2010/main" val="0"/>
+              </a:ext>
+            </a:extLst>
+          </a:blip>
+          <a:srcRect/>
+          <a:stretch>
+            <a:fillRect/>
+          </a:stretch>
+        </p:blipFill>
+        <p:spPr bwMode="auto">
+          <a:xfrm>
+            <a:off x="5136633" y="4719824"/>
+            <a:ext cx="2627769" cy="1746582"/>
+          </a:xfrm>
+          <a:prstGeom prst="rect">
+            <a:avLst/>
+          </a:prstGeom>
+          <a:noFill/>
+          <a:ln>
+            <a:noFill/>
+          </a:ln>
+          <a:extLst>
+            <a:ext uri="{909E8E84-426E-40DD-AFC4-6F175D3DCCD1}">
+              <a14:hiddenFill xmlns:a14="http://schemas.microsoft.com/office/drawing/2010/main">
+                <a:solidFill>
+                  <a:schemeClr val="accent1"/>
+                </a:solidFill>
+              </a14:hiddenFill>
+            </a:ext>
+            <a:ext uri="{91240B29-F687-4F45-9708-019B960494DF}">
+              <a14:hiddenLine xmlns:a14="http://schemas.microsoft.com/office/drawing/2010/main" w="9525">
+                <a:solidFill>
+                  <a:schemeClr val="tx1"/>
+                </a:solidFill>
+                <a:miter lim="800000"/>
+                <a:headEnd/>
+                <a:tailEnd/>
+              </a14:hiddenLine>
+            </a:ext>
+          </a:extLst>
+        </p:spPr>
+      </p:pic>
+      <p:pic>
+        <p:nvPicPr>
+          <p:cNvPr id="1030" name="Picture 6"/>
+          <p:cNvPicPr>
+            <a:picLocks noChangeAspect="1" noChangeArrowheads="1"/>
+          </p:cNvPicPr>
+          <p:nvPr/>
+        </p:nvPicPr>
+        <p:blipFill>
+          <a:blip r:embed="rId6" cstate="print">
+            <a:extLst>
+              <a:ext uri="{28A0092B-C50C-407E-A947-70E740481C1C}">
+                <a14:useLocalDpi xmlns:a14="http://schemas.microsoft.com/office/drawing/2010/main" val="0"/>
+              </a:ext>
+            </a:extLst>
+          </a:blip>
+          <a:srcRect/>
+          <a:stretch>
+            <a:fillRect/>
+          </a:stretch>
+        </p:blipFill>
+        <p:spPr bwMode="auto">
+          <a:xfrm>
+            <a:off x="1447800" y="4706256"/>
+            <a:ext cx="2696573" cy="1773717"/>
+          </a:xfrm>
+          <a:prstGeom prst="rect">
+            <a:avLst/>
+          </a:prstGeom>
+          <a:noFill/>
+          <a:ln>
+            <a:noFill/>
+          </a:ln>
+          <a:extLst>
+            <a:ext uri="{909E8E84-426E-40DD-AFC4-6F175D3DCCD1}">
+              <a14:hiddenFill xmlns:a14="http://schemas.microsoft.com/office/drawing/2010/main">
+                <a:solidFill>
+                  <a:schemeClr val="accent1"/>
+                </a:solidFill>
+              </a14:hiddenFill>
+            </a:ext>
+            <a:ext uri="{91240B29-F687-4F45-9708-019B960494DF}">
+              <a14:hiddenLine xmlns:a14="http://schemas.microsoft.com/office/drawing/2010/main" w="9525">
+                <a:solidFill>
+                  <a:schemeClr val="tx1"/>
+                </a:solidFill>
+                <a:miter lim="800000"/>
+                <a:headEnd/>
+                <a:tailEnd/>
+              </a14:hiddenLine>
+            </a:ext>
+          </a:extLst>
+        </p:spPr>
+      </p:pic>
+      <p:cxnSp>
+        <p:nvCxnSpPr>
+          <p:cNvPr id="10" name="Straight Arrow Connector 9"/>
+          <p:cNvCxnSpPr>
+            <a:stCxn id="1026" idx="3"/>
+          </p:cNvCxnSpPr>
+          <p:nvPr/>
+        </p:nvCxnSpPr>
+        <p:spPr>
+          <a:xfrm flipV="1">
+            <a:off x="3124199" y="2350546"/>
+            <a:ext cx="457200" cy="822002"/>
+          </a:xfrm>
+          <a:prstGeom prst="straightConnector1">
+            <a:avLst/>
+          </a:prstGeom>
+          <a:ln w="57150">
+            <a:tailEnd type="arrow"/>
+          </a:ln>
+        </p:spPr>
+        <p:style>
+          <a:lnRef idx="1">
+            <a:schemeClr val="accent1"/>
+          </a:lnRef>
+          <a:fillRef idx="0">
+            <a:schemeClr val="accent1"/>
+          </a:fillRef>
+          <a:effectRef idx="0">
+            <a:schemeClr val="accent1"/>
+          </a:effectRef>
+          <a:fontRef idx="minor">
+            <a:schemeClr val="tx1"/>
+          </a:fontRef>
+        </p:style>
+      </p:cxnSp>
+      <p:cxnSp>
+        <p:nvCxnSpPr>
+          <p:cNvPr id="16" name="Straight Arrow Connector 15"/>
+          <p:cNvCxnSpPr>
+            <a:endCxn id="1028" idx="1"/>
+          </p:cNvCxnSpPr>
+          <p:nvPr/>
+        </p:nvCxnSpPr>
+        <p:spPr>
+          <a:xfrm>
+            <a:off x="6057632" y="2381104"/>
+            <a:ext cx="531667" cy="801630"/>
+          </a:xfrm>
+          <a:prstGeom prst="straightConnector1">
+            <a:avLst/>
+          </a:prstGeom>
+          <a:ln w="57150">
+            <a:tailEnd type="arrow"/>
+          </a:ln>
+        </p:spPr>
+        <p:style>
+          <a:lnRef idx="1">
+            <a:schemeClr val="accent1"/>
+          </a:lnRef>
+          <a:fillRef idx="0">
+            <a:schemeClr val="accent1"/>
+          </a:fillRef>
+          <a:effectRef idx="0">
+            <a:schemeClr val="accent1"/>
+          </a:effectRef>
+          <a:fontRef idx="minor">
+            <a:schemeClr val="tx1"/>
+          </a:fontRef>
+        </p:style>
+      </p:cxnSp>
+      <p:cxnSp>
+        <p:nvCxnSpPr>
+          <p:cNvPr id="21" name="Straight Arrow Connector 20"/>
+          <p:cNvCxnSpPr>
+            <a:stCxn id="1028" idx="2"/>
+            <a:endCxn id="1029" idx="0"/>
+          </p:cNvCxnSpPr>
+          <p:nvPr/>
+        </p:nvCxnSpPr>
+        <p:spPr>
+          <a:xfrm flipH="1">
+            <a:off x="6450518" y="4004734"/>
+            <a:ext cx="1374772" cy="715090"/>
+          </a:xfrm>
+          <a:prstGeom prst="straightConnector1">
+            <a:avLst/>
+          </a:prstGeom>
+          <a:ln w="57150">
+            <a:tailEnd type="arrow"/>
+          </a:ln>
+        </p:spPr>
+        <p:style>
+          <a:lnRef idx="1">
+            <a:schemeClr val="accent1"/>
+          </a:lnRef>
+          <a:fillRef idx="0">
+            <a:schemeClr val="accent1"/>
+          </a:fillRef>
+          <a:effectRef idx="0">
+            <a:schemeClr val="accent1"/>
+          </a:effectRef>
+          <a:fontRef idx="minor">
+            <a:schemeClr val="tx1"/>
+          </a:fontRef>
+        </p:style>
+      </p:cxnSp>
+      <p:cxnSp>
+        <p:nvCxnSpPr>
+          <p:cNvPr id="24" name="Straight Arrow Connector 23"/>
+          <p:cNvCxnSpPr>
+            <a:stCxn id="1029" idx="1"/>
+            <a:endCxn id="1030" idx="3"/>
+          </p:cNvCxnSpPr>
+          <p:nvPr/>
+        </p:nvCxnSpPr>
+        <p:spPr>
+          <a:xfrm flipH="1">
+            <a:off x="4144373" y="5593115"/>
+            <a:ext cx="992260" cy="0"/>
+          </a:xfrm>
+          <a:prstGeom prst="straightConnector1">
+            <a:avLst/>
+          </a:prstGeom>
+          <a:ln w="57150">
+            <a:tailEnd type="arrow"/>
+          </a:ln>
+        </p:spPr>
+        <p:style>
+          <a:lnRef idx="1">
+            <a:schemeClr val="accent1"/>
+          </a:lnRef>
+          <a:fillRef idx="0">
+            <a:schemeClr val="accent1"/>
+          </a:fillRef>
+          <a:effectRef idx="0">
+            <a:schemeClr val="accent1"/>
+          </a:effectRef>
+          <a:fontRef idx="minor">
+            <a:schemeClr val="tx1"/>
+          </a:fontRef>
+        </p:style>
+      </p:cxnSp>
+      <p:sp>
+        <p:nvSpPr>
+          <p:cNvPr id="20" name="TextBox 19"/>
+          <p:cNvSpPr txBox="1"/>
+          <p:nvPr/>
+        </p:nvSpPr>
+        <p:spPr>
+          <a:xfrm>
+            <a:off x="3507394" y="3262267"/>
+            <a:ext cx="2614114" cy="369332"/>
+          </a:xfrm>
+          <a:prstGeom prst="rect">
+            <a:avLst/>
+          </a:prstGeom>
+          <a:noFill/>
+        </p:spPr>
+        <p:txBody>
+          <a:bodyPr wrap="none" rtlCol="0">
+            <a:spAutoFit/>
+          </a:bodyPr>
+          <a:lstStyle/>
+          <a:p>
+            <a:r>
+              <a:rPr lang="en-US" dirty="0" smtClean="0"/>
+              <a:t>Img2&lt;-channel(</a:t>
+            </a:r>
+            <a:r>
+              <a:rPr lang="en-US" dirty="0" err="1" smtClean="0"/>
+              <a:t>img</a:t>
+            </a:r>
+            <a:r>
+              <a:rPr lang="en-US" dirty="0" smtClean="0"/>
+              <a:t>,’gray’)</a:t>
+            </a:r>
+            <a:endParaRPr lang="en-US" dirty="0"/>
+          </a:p>
+        </p:txBody>
+      </p:sp>
+      <p:sp>
+        <p:nvSpPr>
+          <p:cNvPr id="28" name="TextBox 27"/>
+          <p:cNvSpPr txBox="1"/>
+          <p:nvPr/>
+        </p:nvSpPr>
+        <p:spPr>
+          <a:xfrm>
+            <a:off x="6529889" y="1248431"/>
+            <a:ext cx="2590799" cy="1077218"/>
+          </a:xfrm>
+          <a:prstGeom prst="rect">
+            <a:avLst/>
+          </a:prstGeom>
+          <a:noFill/>
+        </p:spPr>
+        <p:txBody>
+          <a:bodyPr wrap="square" rtlCol="0">
+            <a:spAutoFit/>
+          </a:bodyPr>
+          <a:lstStyle/>
+          <a:p>
+            <a:r>
+              <a:rPr lang="en-US" sz="1600" dirty="0"/>
+              <a:t>x = </a:t>
+            </a:r>
+            <a:r>
+              <a:rPr lang="en-US" sz="1600" dirty="0" err="1"/>
+              <a:t>makeBrush</a:t>
+            </a:r>
+            <a:r>
+              <a:rPr lang="en-US" sz="1600" dirty="0"/>
+              <a:t>(9, shape="</a:t>
+            </a:r>
+            <a:r>
+              <a:rPr lang="en-US" sz="1600" dirty="0" err="1"/>
+              <a:t>gaussian</a:t>
+            </a:r>
+            <a:r>
+              <a:rPr lang="en-US" sz="1600" dirty="0"/>
+              <a:t>", sigma=5)</a:t>
+            </a:r>
+          </a:p>
+          <a:p>
+            <a:r>
+              <a:rPr lang="en-US" sz="1600" dirty="0"/>
+              <a:t>x &lt;- x / sum(x</a:t>
+            </a:r>
+            <a:r>
+              <a:rPr lang="en-US" sz="1600" dirty="0" smtClean="0"/>
+              <a:t>)</a:t>
+            </a:r>
+          </a:p>
+          <a:p>
+            <a:r>
+              <a:rPr lang="en-US" sz="1600" dirty="0" smtClean="0"/>
+              <a:t>Img3&lt;-filter2(img2,x)</a:t>
+            </a:r>
+            <a:endParaRPr lang="en-US" sz="1600" dirty="0"/>
+          </a:p>
+        </p:txBody>
+      </p:sp>
+      <p:sp>
+        <p:nvSpPr>
+          <p:cNvPr id="22" name="TextBox 21"/>
+          <p:cNvSpPr txBox="1"/>
+          <p:nvPr/>
+        </p:nvSpPr>
+        <p:spPr>
+          <a:xfrm>
+            <a:off x="5398690" y="6453177"/>
+            <a:ext cx="2103653" cy="369332"/>
+          </a:xfrm>
+          <a:prstGeom prst="rect">
+            <a:avLst/>
+          </a:prstGeom>
+          <a:noFill/>
+        </p:spPr>
+        <p:txBody>
+          <a:bodyPr wrap="none" rtlCol="0">
+            <a:spAutoFit/>
+          </a:bodyPr>
+          <a:lstStyle/>
+          <a:p>
+            <a:r>
+              <a:rPr lang="en-US" dirty="0" smtClean="0"/>
+              <a:t>Img4&lt;-thresh(img3)</a:t>
+            </a:r>
+            <a:endParaRPr lang="en-US" dirty="0"/>
+          </a:p>
+        </p:txBody>
+      </p:sp>
+      <p:sp>
+        <p:nvSpPr>
+          <p:cNvPr id="30" name="TextBox 29"/>
+          <p:cNvSpPr txBox="1"/>
+          <p:nvPr/>
+        </p:nvSpPr>
+        <p:spPr>
+          <a:xfrm>
+            <a:off x="2326260" y="6479973"/>
+            <a:ext cx="797847" cy="369332"/>
+          </a:xfrm>
+          <a:prstGeom prst="rect">
+            <a:avLst/>
+          </a:prstGeom>
+          <a:noFill/>
+        </p:spPr>
+        <p:txBody>
+          <a:bodyPr wrap="none" rtlCol="0">
+            <a:spAutoFit/>
+          </a:bodyPr>
+          <a:lstStyle/>
+          <a:p>
+            <a:r>
+              <a:rPr lang="en-US" dirty="0" smtClean="0"/>
+              <a:t>subset</a:t>
+            </a:r>
+            <a:endParaRPr lang="en-US" dirty="0"/>
+          </a:p>
+        </p:txBody>
+      </p:sp>
+    </p:spTree>
+    <p:extLst>
+      <p:ext uri="{BB962C8B-B14F-4D97-AF65-F5344CB8AC3E}">
+        <p14:creationId xmlns:p14="http://schemas.microsoft.com/office/powerpoint/2010/main" val="284774945"/>
+      </p:ext>
+    </p:extLst>
+  </p:cSld>
+  <p:clrMapOvr>
+    <a:masterClrMapping/>
+  </p:clrMapOvr>
+</p:sld>
+</file>
+
+<file path=ppt/slides/slide4.xml><?xml version="1.0" encoding="utf-8"?>
+<p:sld xmlns:a="http://schemas.openxmlformats.org/drawingml/2006/main" xmlns:r="http://schemas.openxmlformats.org/officeDocument/2006/relationships" xmlns:p="http://schemas.openxmlformats.org/presentationml/2006/main">
+  <p:cSld>
+    <p:spTree>
+      <p:nvGrpSpPr>
+        <p:cNvPr id="1" name=""/>
+        <p:cNvGrpSpPr/>
+        <p:nvPr/>
+      </p:nvGrpSpPr>
+      <p:grpSpPr>
+        <a:xfrm>
+          <a:off x="0" y="0"/>
+          <a:ext cx="0" cy="0"/>
+          <a:chOff x="0" y="0"/>
+          <a:chExt cx="0" cy="0"/>
+        </a:xfrm>
+      </p:grpSpPr>
+      <p:pic>
+        <p:nvPicPr>
+          <p:cNvPr id="2050" name="Picture 2"/>
+          <p:cNvPicPr>
+            <a:picLocks noChangeAspect="1" noChangeArrowheads="1"/>
+          </p:cNvPicPr>
+          <p:nvPr/>
+        </p:nvPicPr>
+        <p:blipFill>
+          <a:blip r:embed="rId2">
+            <a:extLst>
+              <a:ext uri="{28A0092B-C50C-407E-A947-70E740481C1C}">
+                <a14:useLocalDpi xmlns:a14="http://schemas.microsoft.com/office/drawing/2010/main" val="0"/>
+              </a:ext>
+            </a:extLst>
+          </a:blip>
+          <a:srcRect/>
+          <a:stretch>
+            <a:fillRect/>
+          </a:stretch>
+        </p:blipFill>
+        <p:spPr bwMode="auto">
+          <a:xfrm>
+            <a:off x="947738" y="1785938"/>
+            <a:ext cx="7248525" cy="3286125"/>
+          </a:xfrm>
+          <a:prstGeom prst="rect">
+            <a:avLst/>
+          </a:prstGeom>
+          <a:noFill/>
+          <a:ln>
+            <a:noFill/>
+          </a:ln>
+          <a:extLst>
+            <a:ext uri="{909E8E84-426E-40DD-AFC4-6F175D3DCCD1}">
+              <a14:hiddenFill xmlns:a14="http://schemas.microsoft.com/office/drawing/2010/main">
+                <a:solidFill>
+                  <a:schemeClr val="accent1"/>
+                </a:solidFill>
+              </a14:hiddenFill>
+            </a:ext>
+            <a:ext uri="{91240B29-F687-4F45-9708-019B960494DF}">
+              <a14:hiddenLine xmlns:a14="http://schemas.microsoft.com/office/drawing/2010/main" w="9525">
+                <a:solidFill>
+                  <a:schemeClr val="tx1"/>
+                </a:solidFill>
+                <a:miter lim="800000"/>
+                <a:headEnd/>
+                <a:tailEnd/>
+              </a14:hiddenLine>
+            </a:ext>
+          </a:extLst>
+        </p:spPr>
+      </p:pic>
+    </p:spTree>
+    <p:extLst>
+      <p:ext uri="{BB962C8B-B14F-4D97-AF65-F5344CB8AC3E}">
+        <p14:creationId xmlns:p14="http://schemas.microsoft.com/office/powerpoint/2010/main" val="958875603"/>
+      </p:ext>
+    </p:extLst>
+  </p:cSld>
+  <p:clrMapOvr>
+    <a:masterClrMapping/>
+  </p:clrMapOvr>
+</p:sld>
+</file>
+
+<file path=ppt/slides/slide5.xml><?xml version="1.0" encoding="utf-8"?>
+<p:sld xmlns:a="http://schemas.openxmlformats.org/drawingml/2006/main" xmlns:r="http://schemas.openxmlformats.org/officeDocument/2006/relationships" xmlns:p="http://schemas.openxmlformats.org/presentationml/2006/main">
+  <p:cSld>
+    <p:spTree>
+      <p:nvGrpSpPr>
+        <p:cNvPr id="1" name=""/>
+        <p:cNvGrpSpPr/>
+        <p:nvPr/>
+      </p:nvGrpSpPr>
+      <p:grpSpPr>
+        <a:xfrm>
+          <a:off x="0" y="0"/>
+          <a:ext cx="0" cy="0"/>
+          <a:chOff x="0" y="0"/>
+          <a:chExt cx="0" cy="0"/>
+        </a:xfrm>
+      </p:grpSpPr>
+      <p:pic>
+        <p:nvPicPr>
+          <p:cNvPr id="3075" name="Picture 3"/>
+          <p:cNvPicPr>
+            <a:picLocks noChangeAspect="1" noChangeArrowheads="1"/>
+          </p:cNvPicPr>
+          <p:nvPr/>
+        </p:nvPicPr>
+        <p:blipFill>
+          <a:blip r:embed="rId2" cstate="print">
+            <a:extLst>
+              <a:ext uri="{28A0092B-C50C-407E-A947-70E740481C1C}">
+                <a14:useLocalDpi xmlns:a14="http://schemas.microsoft.com/office/drawing/2010/main" val="0"/>
+              </a:ext>
+            </a:extLst>
+          </a:blip>
+          <a:srcRect/>
+          <a:stretch>
+            <a:fillRect/>
+          </a:stretch>
+        </p:blipFill>
+        <p:spPr bwMode="auto">
+          <a:xfrm>
+            <a:off x="2800170" y="1066800"/>
+            <a:ext cx="2364179" cy="2115727"/>
+          </a:xfrm>
+          <a:prstGeom prst="rect">
+            <a:avLst/>
+          </a:prstGeom>
+          <a:noFill/>
+          <a:ln>
+            <a:noFill/>
+          </a:ln>
+          <a:extLst>
+            <a:ext uri="{909E8E84-426E-40DD-AFC4-6F175D3DCCD1}">
+              <a14:hiddenFill xmlns:a14="http://schemas.microsoft.com/office/drawing/2010/main">
+                <a:solidFill>
+                  <a:schemeClr val="accent1"/>
+                </a:solidFill>
+              </a14:hiddenFill>
+            </a:ext>
+            <a:ext uri="{91240B29-F687-4F45-9708-019B960494DF}">
+              <a14:hiddenLine xmlns:a14="http://schemas.microsoft.com/office/drawing/2010/main" w="9525">
+                <a:solidFill>
+                  <a:schemeClr val="tx1"/>
+                </a:solidFill>
+                <a:miter lim="800000"/>
+                <a:headEnd/>
+                <a:tailEnd/>
+              </a14:hiddenLine>
+            </a:ext>
+          </a:extLst>
+        </p:spPr>
+      </p:pic>
+      <p:pic>
+        <p:nvPicPr>
+          <p:cNvPr id="3076" name="Picture 4"/>
+          <p:cNvPicPr>
+            <a:picLocks noChangeAspect="1" noChangeArrowheads="1"/>
+          </p:cNvPicPr>
+          <p:nvPr/>
+        </p:nvPicPr>
+        <p:blipFill>
+          <a:blip r:embed="rId3" cstate="print">
+            <a:extLst>
+              <a:ext uri="{28A0092B-C50C-407E-A947-70E740481C1C}">
+                <a14:useLocalDpi xmlns:a14="http://schemas.microsoft.com/office/drawing/2010/main" val="0"/>
+              </a:ext>
+            </a:extLst>
+          </a:blip>
+          <a:srcRect/>
+          <a:stretch>
+            <a:fillRect/>
+          </a:stretch>
+        </p:blipFill>
+        <p:spPr bwMode="auto">
+          <a:xfrm>
+            <a:off x="393826" y="1109358"/>
+            <a:ext cx="2286000" cy="2070268"/>
+          </a:xfrm>
+          <a:prstGeom prst="rect">
+            <a:avLst/>
+          </a:prstGeom>
+          <a:noFill/>
+          <a:ln>
+            <a:noFill/>
+          </a:ln>
+          <a:extLst>
+            <a:ext uri="{909E8E84-426E-40DD-AFC4-6F175D3DCCD1}">
+              <a14:hiddenFill xmlns:a14="http://schemas.microsoft.com/office/drawing/2010/main">
+                <a:solidFill>
+                  <a:schemeClr val="accent1"/>
+                </a:solidFill>
+              </a14:hiddenFill>
+            </a:ext>
+            <a:ext uri="{91240B29-F687-4F45-9708-019B960494DF}">
+              <a14:hiddenLine xmlns:a14="http://schemas.microsoft.com/office/drawing/2010/main" w="9525">
+                <a:solidFill>
+                  <a:schemeClr val="tx1"/>
+                </a:solidFill>
+                <a:miter lim="800000"/>
+                <a:headEnd/>
+                <a:tailEnd/>
+              </a14:hiddenLine>
+            </a:ext>
+          </a:extLst>
+        </p:spPr>
+      </p:pic>
+      <p:pic>
+        <p:nvPicPr>
+          <p:cNvPr id="3077" name="Picture 5"/>
+          <p:cNvPicPr>
+            <a:picLocks noChangeAspect="1" noChangeArrowheads="1"/>
+          </p:cNvPicPr>
+          <p:nvPr/>
+        </p:nvPicPr>
+        <p:blipFill>
+          <a:blip r:embed="rId4" cstate="print">
+            <a:extLst>
+              <a:ext uri="{28A0092B-C50C-407E-A947-70E740481C1C}">
+                <a14:useLocalDpi xmlns:a14="http://schemas.microsoft.com/office/drawing/2010/main" val="0"/>
+              </a:ext>
+            </a:extLst>
+          </a:blip>
+          <a:srcRect/>
+          <a:stretch>
+            <a:fillRect/>
+          </a:stretch>
+        </p:blipFill>
+        <p:spPr bwMode="auto">
+          <a:xfrm>
+            <a:off x="460501" y="3810000"/>
+            <a:ext cx="2152650" cy="2217391"/>
+          </a:xfrm>
+          <a:prstGeom prst="rect">
+            <a:avLst/>
+          </a:prstGeom>
+          <a:noFill/>
+          <a:ln>
+            <a:noFill/>
+          </a:ln>
+          <a:extLst>
+            <a:ext uri="{909E8E84-426E-40DD-AFC4-6F175D3DCCD1}">
+              <a14:hiddenFill xmlns:a14="http://schemas.microsoft.com/office/drawing/2010/main">
+                <a:solidFill>
+                  <a:schemeClr val="accent1"/>
+                </a:solidFill>
+              </a14:hiddenFill>
+            </a:ext>
+            <a:ext uri="{91240B29-F687-4F45-9708-019B960494DF}">
+              <a14:hiddenLine xmlns:a14="http://schemas.microsoft.com/office/drawing/2010/main" w="9525">
+                <a:solidFill>
+                  <a:schemeClr val="tx1"/>
+                </a:solidFill>
+                <a:miter lim="800000"/>
+                <a:headEnd/>
+                <a:tailEnd/>
+              </a14:hiddenLine>
+            </a:ext>
+          </a:extLst>
+        </p:spPr>
+      </p:pic>
+      <p:pic>
+        <p:nvPicPr>
+          <p:cNvPr id="3078" name="Picture 6"/>
+          <p:cNvPicPr>
+            <a:picLocks noChangeAspect="1" noChangeArrowheads="1"/>
+          </p:cNvPicPr>
+          <p:nvPr/>
+        </p:nvPicPr>
+        <p:blipFill>
+          <a:blip r:embed="rId5" cstate="print">
+            <a:extLst>
+              <a:ext uri="{28A0092B-C50C-407E-A947-70E740481C1C}">
+                <a14:useLocalDpi xmlns:a14="http://schemas.microsoft.com/office/drawing/2010/main" val="0"/>
+              </a:ext>
+            </a:extLst>
+          </a:blip>
+          <a:srcRect/>
+          <a:stretch>
+            <a:fillRect/>
+          </a:stretch>
+        </p:blipFill>
+        <p:spPr bwMode="auto">
+          <a:xfrm>
+            <a:off x="2794134" y="3810000"/>
+            <a:ext cx="2160845" cy="2217391"/>
+          </a:xfrm>
+          <a:prstGeom prst="rect">
+            <a:avLst/>
+          </a:prstGeom>
+          <a:noFill/>
+          <a:ln>
+            <a:noFill/>
+          </a:ln>
+          <a:extLst>
+            <a:ext uri="{909E8E84-426E-40DD-AFC4-6F175D3DCCD1}">
+              <a14:hiddenFill xmlns:a14="http://schemas.microsoft.com/office/drawing/2010/main">
+                <a:solidFill>
+                  <a:schemeClr val="accent1"/>
+                </a:solidFill>
+              </a14:hiddenFill>
+            </a:ext>
+            <a:ext uri="{91240B29-F687-4F45-9708-019B960494DF}">
+              <a14:hiddenLine xmlns:a14="http://schemas.microsoft.com/office/drawing/2010/main" w="9525">
+                <a:solidFill>
+                  <a:schemeClr val="tx1"/>
+                </a:solidFill>
+                <a:miter lim="800000"/>
+                <a:headEnd/>
+                <a:tailEnd/>
+              </a14:hiddenLine>
+            </a:ext>
+          </a:extLst>
+        </p:spPr>
+      </p:pic>
+      <p:pic>
+        <p:nvPicPr>
+          <p:cNvPr id="3079" name="Picture 7"/>
+          <p:cNvPicPr>
+            <a:picLocks noChangeAspect="1" noChangeArrowheads="1"/>
+          </p:cNvPicPr>
+          <p:nvPr/>
+        </p:nvPicPr>
+        <p:blipFill>
+          <a:blip r:embed="rId6">
+            <a:extLst>
+              <a:ext uri="{28A0092B-C50C-407E-A947-70E740481C1C}">
+                <a14:useLocalDpi xmlns:a14="http://schemas.microsoft.com/office/drawing/2010/main" val="0"/>
+              </a:ext>
+            </a:extLst>
+          </a:blip>
+          <a:srcRect/>
+          <a:stretch>
+            <a:fillRect/>
+          </a:stretch>
+        </p:blipFill>
+        <p:spPr bwMode="auto">
+          <a:xfrm>
+            <a:off x="6019800" y="990600"/>
+            <a:ext cx="1896876" cy="2527634"/>
+          </a:xfrm>
+          <a:prstGeom prst="rect">
+            <a:avLst/>
+          </a:prstGeom>
+          <a:noFill/>
+          <a:ln>
+            <a:noFill/>
+          </a:ln>
+          <a:extLst>
+            <a:ext uri="{909E8E84-426E-40DD-AFC4-6F175D3DCCD1}">
+              <a14:hiddenFill xmlns:a14="http://schemas.microsoft.com/office/drawing/2010/main">
+                <a:solidFill>
+                  <a:schemeClr val="accent1"/>
+                </a:solidFill>
+              </a14:hiddenFill>
+            </a:ext>
+            <a:ext uri="{91240B29-F687-4F45-9708-019B960494DF}">
+              <a14:hiddenLine xmlns:a14="http://schemas.microsoft.com/office/drawing/2010/main" w="9525">
+                <a:solidFill>
+                  <a:schemeClr val="tx1"/>
+                </a:solidFill>
+                <a:miter lim="800000"/>
+                <a:headEnd/>
+                <a:tailEnd/>
+              </a14:hiddenLine>
+            </a:ext>
+          </a:extLst>
+        </p:spPr>
+      </p:pic>
+      <p:pic>
+        <p:nvPicPr>
+          <p:cNvPr id="3080" name="Picture 8"/>
+          <p:cNvPicPr>
+            <a:picLocks noChangeAspect="1" noChangeArrowheads="1"/>
+          </p:cNvPicPr>
+          <p:nvPr/>
+        </p:nvPicPr>
+        <p:blipFill>
+          <a:blip r:embed="rId7">
+            <a:extLst>
+              <a:ext uri="{28A0092B-C50C-407E-A947-70E740481C1C}">
+                <a14:useLocalDpi xmlns:a14="http://schemas.microsoft.com/office/drawing/2010/main" val="0"/>
+              </a:ext>
+            </a:extLst>
+          </a:blip>
+          <a:srcRect/>
+          <a:stretch>
+            <a:fillRect/>
+          </a:stretch>
+        </p:blipFill>
+        <p:spPr bwMode="auto">
+          <a:xfrm>
+            <a:off x="6019800" y="3678690"/>
+            <a:ext cx="1866771" cy="2480009"/>
+          </a:xfrm>
+          <a:prstGeom prst="rect">
+            <a:avLst/>
+          </a:prstGeom>
+          <a:noFill/>
+          <a:ln>
+            <a:noFill/>
+          </a:ln>
+          <a:extLst>
+            <a:ext uri="{909E8E84-426E-40DD-AFC4-6F175D3DCCD1}">
+              <a14:hiddenFill xmlns:a14="http://schemas.microsoft.com/office/drawing/2010/main">
+                <a:solidFill>
+                  <a:schemeClr val="accent1"/>
+                </a:solidFill>
+              </a14:hiddenFill>
+            </a:ext>
+            <a:ext uri="{91240B29-F687-4F45-9708-019B960494DF}">
+              <a14:hiddenLine xmlns:a14="http://schemas.microsoft.com/office/drawing/2010/main" w="9525">
+                <a:solidFill>
+                  <a:schemeClr val="tx1"/>
+                </a:solidFill>
+                <a:miter lim="800000"/>
+                <a:headEnd/>
+                <a:tailEnd/>
+              </a14:hiddenLine>
+            </a:ext>
+          </a:extLst>
+        </p:spPr>
+      </p:pic>
+    </p:spTree>
+    <p:extLst>
+      <p:ext uri="{BB962C8B-B14F-4D97-AF65-F5344CB8AC3E}">
+        <p14:creationId xmlns:p14="http://schemas.microsoft.com/office/powerpoint/2010/main" val="3630110715"/>
+      </p:ext>
+    </p:extLst>
+  </p:cSld>
+  <p:clrMapOvr>
+    <a:masterClrMapping/>
+  </p:clrMapOvr>
+</p:sld>
+</file>
+
+<file path=ppt/slides/slide6.xml><?xml version="1.0" encoding="utf-8"?>
+<p:sld xmlns:a="http://schemas.openxmlformats.org/drawingml/2006/main" xmlns:r="http://schemas.openxmlformats.org/officeDocument/2006/relationships" xmlns:p="http://schemas.openxmlformats.org/presentationml/2006/main">
+  <p:cSld>
+    <p:spTree>
+      <p:nvGrpSpPr>
+        <p:cNvPr id="1" name=""/>
+        <p:cNvGrpSpPr/>
+        <p:nvPr/>
+      </p:nvGrpSpPr>
+      <p:grpSpPr>
+        <a:xfrm>
+          <a:off x="0" y="0"/>
+          <a:ext cx="0" cy="0"/>
+          <a:chOff x="0" y="0"/>
+          <a:chExt cx="0" cy="0"/>
+        </a:xfrm>
+      </p:grpSpPr>
+      <p:sp>
+        <p:nvSpPr>
+          <p:cNvPr id="2" name="Title 1"/>
+          <p:cNvSpPr>
+            <a:spLocks noGrp="1"/>
+          </p:cNvSpPr>
+          <p:nvPr>
+            <p:ph type="title"/>
+          </p:nvPr>
+        </p:nvSpPr>
+        <p:spPr/>
+        <p:txBody>
+          <a:bodyPr/>
+          <a:lstStyle/>
+          <a:p>
+            <a:r>
+              <a:rPr lang="en-US" dirty="0" smtClean="0"/>
+              <a:t>Baseline Model</a:t>
+            </a:r>
+            <a:endParaRPr lang="en-US" dirty="0"/>
+          </a:p>
+        </p:txBody>
+      </p:sp>
+      <p:sp>
+        <p:nvSpPr>
+          <p:cNvPr id="3" name="Content Placeholder 2"/>
+          <p:cNvSpPr>
+            <a:spLocks noGrp="1"/>
+          </p:cNvSpPr>
+          <p:nvPr>
+            <p:ph idx="1"/>
+          </p:nvPr>
+        </p:nvSpPr>
+        <p:spPr/>
+        <p:txBody>
+          <a:bodyPr/>
+          <a:lstStyle/>
+          <a:p>
+            <a:r>
+              <a:rPr lang="en-US" dirty="0" smtClean="0"/>
+              <a:t>Library(</a:t>
+            </a:r>
+            <a:r>
+              <a:rPr lang="en-US" dirty="0" err="1" smtClean="0"/>
+              <a:t>ksvm</a:t>
+            </a:r>
+            <a:r>
+              <a:rPr lang="en-US" dirty="0" smtClean="0"/>
+              <a:t>)</a:t>
+            </a:r>
+          </a:p>
+          <a:p>
+            <a:r>
+              <a:rPr lang="en-US" dirty="0" smtClean="0"/>
+              <a:t>No tuning</a:t>
+            </a:r>
+          </a:p>
+          <a:p>
+            <a:r>
+              <a:rPr lang="en-US" dirty="0" smtClean="0"/>
+              <a:t>Linear kernel (</a:t>
+            </a:r>
+            <a:r>
+              <a:rPr lang="en-US" dirty="0" err="1" smtClean="0"/>
+              <a:t>ie</a:t>
+            </a:r>
+            <a:r>
+              <a:rPr lang="en-US" dirty="0" smtClean="0"/>
+              <a:t>. kernel </a:t>
+            </a:r>
+            <a:r>
+              <a:rPr lang="en-US" dirty="0"/>
+              <a:t>= "</a:t>
+            </a:r>
+            <a:r>
+              <a:rPr lang="en-US" dirty="0" err="1" smtClean="0"/>
+              <a:t>vanilladot</a:t>
+            </a:r>
+            <a:r>
+              <a:rPr lang="en-US" dirty="0" smtClean="0"/>
+              <a:t>“)</a:t>
+            </a:r>
+          </a:p>
+          <a:p>
+            <a:r>
+              <a:rPr lang="en-US" dirty="0" smtClean="0"/>
+              <a:t>~10 minutes to run</a:t>
+            </a:r>
+            <a:endParaRPr lang="en-US" dirty="0"/>
+          </a:p>
+        </p:txBody>
+      </p:sp>
+    </p:spTree>
+    <p:extLst>
+      <p:ext uri="{BB962C8B-B14F-4D97-AF65-F5344CB8AC3E}">
+        <p14:creationId xmlns:p14="http://schemas.microsoft.com/office/powerpoint/2010/main" val="2655545258"/>
+      </p:ext>
+    </p:extLst>
+  </p:cSld>
+  <p:clrMapOvr>
+    <a:masterClrMapping/>
+  </p:clrMapOvr>
+</p:sld>
+</file>
+
+<file path=ppt/slides/slide7.xml><?xml version="1.0" encoding="utf-8"?>
+<p:sld xmlns:a="http://schemas.openxmlformats.org/drawingml/2006/main" xmlns:r="http://schemas.openxmlformats.org/officeDocument/2006/relationships" xmlns:p="http://schemas.openxmlformats.org/presentationml/2006/main">
+  <p:cSld>
+    <p:spTree>
+      <p:nvGrpSpPr>
+        <p:cNvPr id="1" name=""/>
+        <p:cNvGrpSpPr/>
+        <p:nvPr/>
+      </p:nvGrpSpPr>
+      <p:grpSpPr>
+        <a:xfrm>
+          <a:off x="0" y="0"/>
+          <a:ext cx="0" cy="0"/>
+          <a:chOff x="0" y="0"/>
+          <a:chExt cx="0" cy="0"/>
+        </a:xfrm>
+      </p:grpSpPr>
+      <p:sp>
+        <p:nvSpPr>
+          <p:cNvPr id="2" name="Title 1"/>
+          <p:cNvSpPr>
+            <a:spLocks noGrp="1"/>
+          </p:cNvSpPr>
+          <p:nvPr>
+            <p:ph type="title"/>
+          </p:nvPr>
+        </p:nvSpPr>
+        <p:spPr/>
+        <p:txBody>
+          <a:bodyPr/>
+          <a:lstStyle/>
+          <a:p>
+            <a:r>
+              <a:rPr lang="en-US" dirty="0" smtClean="0"/>
+              <a:t>Advanced Model</a:t>
+            </a:r>
+            <a:endParaRPr lang="en-US" dirty="0"/>
+          </a:p>
+        </p:txBody>
+      </p:sp>
+      <p:sp>
+        <p:nvSpPr>
+          <p:cNvPr id="3" name="Content Placeholder 2"/>
+          <p:cNvSpPr>
+            <a:spLocks noGrp="1"/>
+          </p:cNvSpPr>
+          <p:nvPr>
+            <p:ph idx="1"/>
+          </p:nvPr>
+        </p:nvSpPr>
+        <p:spPr/>
+        <p:txBody>
+          <a:bodyPr/>
+          <a:lstStyle/>
+          <a:p>
+            <a:r>
+              <a:rPr lang="en-US" dirty="0" smtClean="0"/>
+              <a:t>Library(</a:t>
+            </a:r>
+            <a:r>
+              <a:rPr lang="en-US" dirty="0" err="1" smtClean="0"/>
+              <a:t>gbm</a:t>
+            </a:r>
+            <a:r>
+              <a:rPr lang="en-US" dirty="0" smtClean="0"/>
+              <a:t>)</a:t>
+            </a:r>
+          </a:p>
+          <a:p>
+            <a:r>
+              <a:rPr lang="en-US" dirty="0" smtClean="0"/>
+              <a:t>Used cross-validation for tuning</a:t>
+            </a:r>
+          </a:p>
+          <a:p>
+            <a:pPr lvl="1"/>
+            <a:r>
+              <a:rPr lang="en-US" dirty="0" smtClean="0"/>
+              <a:t>Number of trees: 1 to 500</a:t>
+            </a:r>
+          </a:p>
+          <a:p>
+            <a:pPr lvl="1"/>
+            <a:r>
+              <a:rPr lang="en-US" dirty="0" smtClean="0"/>
+              <a:t>Interaction depth: 1, 2, or 3</a:t>
+            </a:r>
+          </a:p>
+          <a:p>
+            <a:pPr lvl="1"/>
+            <a:r>
+              <a:rPr lang="en-US" dirty="0" smtClean="0"/>
+              <a:t>Minimum number of nodes: 10 or 50</a:t>
+            </a:r>
+          </a:p>
+          <a:p>
+            <a:r>
+              <a:rPr lang="en-US" dirty="0" smtClean="0"/>
+              <a:t>Kept shrinkage (learning rate) at 0.1 b/c it will take too long to run with other values</a:t>
+            </a:r>
+          </a:p>
+          <a:p>
+            <a:r>
+              <a:rPr lang="en-US" dirty="0" smtClean="0"/>
+              <a:t>~20 minutes to run</a:t>
+            </a:r>
+          </a:p>
+          <a:p>
+            <a:pPr lvl="1"/>
+            <a:endParaRPr lang="en-US" dirty="0"/>
+          </a:p>
+        </p:txBody>
+      </p:sp>
+    </p:spTree>
+    <p:extLst>
+      <p:ext uri="{BB962C8B-B14F-4D97-AF65-F5344CB8AC3E}">
+        <p14:creationId xmlns:p14="http://schemas.microsoft.com/office/powerpoint/2010/main" val="2482695690"/>
+      </p:ext>
+    </p:extLst>
+  </p:cSld>
+  <p:clrMapOvr>
+    <a:masterClrMapping/>
+  </p:clrMapOvr>
+</p:sld>
+</file>
+
+<file path=ppt/slides/slide8.xml><?xml version="1.0" encoding="utf-8"?>
+<p:sld xmlns:a="http://schemas.openxmlformats.org/drawingml/2006/main" xmlns:r="http://schemas.openxmlformats.org/officeDocument/2006/relationships" xmlns:p="http://schemas.openxmlformats.org/presentationml/2006/main">
+  <p:cSld>
+    <p:spTree>
+      <p:nvGrpSpPr>
+        <p:cNvPr id="1" name=""/>
+        <p:cNvGrpSpPr/>
+        <p:nvPr/>
+      </p:nvGrpSpPr>
+      <p:grpSpPr>
+        <a:xfrm>
+          <a:off x="0" y="0"/>
+          <a:ext cx="0" cy="0"/>
+          <a:chOff x="0" y="0"/>
+          <a:chExt cx="0" cy="0"/>
+        </a:xfrm>
+      </p:grpSpPr>
+      <p:sp>
+        <p:nvSpPr>
+          <p:cNvPr id="2" name="Title 1"/>
+          <p:cNvSpPr>
+            <a:spLocks noGrp="1"/>
+          </p:cNvSpPr>
+          <p:nvPr>
+            <p:ph type="title"/>
+          </p:nvPr>
+        </p:nvSpPr>
+        <p:spPr/>
+        <p:txBody>
+          <a:bodyPr/>
+          <a:lstStyle/>
+          <a:p>
+            <a:r>
+              <a:rPr lang="en-US" dirty="0" smtClean="0"/>
+              <a:t>Results</a:t>
+            </a:r>
+            <a:endParaRPr lang="en-US" dirty="0"/>
+          </a:p>
+        </p:txBody>
+      </p:sp>
+      <p:sp>
+        <p:nvSpPr>
+          <p:cNvPr id="4" name="Content Placeholder 3"/>
+          <p:cNvSpPr>
+            <a:spLocks noGrp="1"/>
+          </p:cNvSpPr>
+          <p:nvPr>
+            <p:ph sz="half" idx="1"/>
+          </p:nvPr>
+        </p:nvSpPr>
+        <p:spPr/>
+        <p:txBody>
+          <a:bodyPr/>
+          <a:lstStyle/>
+          <a:p>
+            <a:r>
+              <a:rPr lang="en-US" dirty="0" smtClean="0"/>
+              <a:t>Baseline w/ old features</a:t>
+            </a:r>
+          </a:p>
+          <a:p>
+            <a:pPr lvl="1"/>
+            <a:r>
+              <a:rPr lang="en-US" dirty="0" smtClean="0"/>
+              <a:t>Classify everything as dog</a:t>
+            </a:r>
+          </a:p>
+          <a:p>
+            <a:pPr lvl="1"/>
+            <a:r>
+              <a:rPr lang="en-US" dirty="0" smtClean="0"/>
+              <a:t>Train error: 32%</a:t>
+            </a:r>
+          </a:p>
+          <a:p>
+            <a:pPr lvl="1"/>
+            <a:r>
+              <a:rPr lang="en-US" dirty="0" smtClean="0"/>
+              <a:t>Test error: 33%</a:t>
+            </a:r>
+          </a:p>
+          <a:p>
+            <a:pPr lvl="1"/>
+            <a:endParaRPr lang="en-US" dirty="0"/>
+          </a:p>
+          <a:p>
+            <a:r>
+              <a:rPr lang="en-US" dirty="0" err="1" smtClean="0"/>
+              <a:t>Adv</a:t>
+            </a:r>
+            <a:r>
+              <a:rPr lang="en-US" dirty="0" smtClean="0"/>
+              <a:t> w/ old features</a:t>
+            </a:r>
+          </a:p>
+          <a:p>
+            <a:pPr lvl="1"/>
+            <a:r>
+              <a:rPr lang="en-US" dirty="0" smtClean="0"/>
+              <a:t>Train error: 15%</a:t>
+            </a:r>
+          </a:p>
+          <a:p>
+            <a:pPr lvl="1"/>
+            <a:r>
+              <a:rPr lang="en-US" dirty="0" smtClean="0"/>
+              <a:t>Test error: 29%</a:t>
+            </a:r>
+            <a:endParaRPr lang="en-US" dirty="0"/>
+          </a:p>
+        </p:txBody>
+      </p:sp>
+      <p:sp>
+        <p:nvSpPr>
+          <p:cNvPr id="5" name="Content Placeholder 4"/>
+          <p:cNvSpPr>
+            <a:spLocks noGrp="1"/>
+          </p:cNvSpPr>
+          <p:nvPr>
+            <p:ph sz="half" idx="2"/>
+          </p:nvPr>
+        </p:nvSpPr>
+        <p:spPr/>
+        <p:txBody>
+          <a:bodyPr/>
+          <a:lstStyle/>
+          <a:p>
+            <a:r>
+              <a:rPr lang="en-US" dirty="0" smtClean="0"/>
+              <a:t>Baseline w/ new features</a:t>
+            </a:r>
+          </a:p>
+          <a:p>
+            <a:pPr lvl="1"/>
+            <a:r>
+              <a:rPr lang="en-US" dirty="0" smtClean="0"/>
+              <a:t>Train error = test error = 46%</a:t>
+            </a:r>
+          </a:p>
+          <a:p>
+            <a:pPr lvl="1"/>
+            <a:endParaRPr lang="en-US" dirty="0"/>
+          </a:p>
+          <a:p>
+            <a:endParaRPr lang="en-US" dirty="0" smtClean="0"/>
+          </a:p>
+          <a:p>
+            <a:r>
+              <a:rPr lang="en-US" dirty="0" err="1" smtClean="0"/>
+              <a:t>Adv</a:t>
+            </a:r>
+            <a:r>
+              <a:rPr lang="en-US" dirty="0" smtClean="0"/>
+              <a:t> w/ new features</a:t>
+            </a:r>
+          </a:p>
+          <a:p>
+            <a:pPr lvl="1"/>
+            <a:r>
+              <a:rPr lang="en-US" dirty="0" smtClean="0"/>
+              <a:t>Train error: 16%</a:t>
+            </a:r>
+          </a:p>
+          <a:p>
+            <a:pPr lvl="1"/>
+            <a:r>
+              <a:rPr lang="en-US" dirty="0" smtClean="0"/>
+              <a:t>Test error: 29%</a:t>
+            </a:r>
+            <a:endParaRPr lang="en-US" dirty="0"/>
+          </a:p>
+        </p:txBody>
+      </p:sp>
+    </p:spTree>
+    <p:extLst>
+      <p:ext uri="{BB962C8B-B14F-4D97-AF65-F5344CB8AC3E}">
+        <p14:creationId xmlns:p14="http://schemas.microsoft.com/office/powerpoint/2010/main" val="149023793"/>
+      </p:ext>
+    </p:extLst>
+  </p:cSld>
+  <p:clrMapOvr>
+    <a:masterClrMapping/>
+  </p:clrMapOvr>
+</p:sld>
+</file>
+
+<file path=ppt/slides/slide9.xml><?xml version="1.0" encoding="utf-8"?>
+<p:sld xmlns:a="http://schemas.openxmlformats.org/drawingml/2006/main" xmlns:r="http://schemas.openxmlformats.org/officeDocument/2006/relationships" xmlns:p="http://schemas.openxmlformats.org/presentationml/2006/main">
+  <p:cSld>
+    <p:spTree>
+      <p:nvGrpSpPr>
+        <p:cNvPr id="1" name=""/>
+        <p:cNvGrpSpPr/>
+        <p:nvPr/>
+      </p:nvGrpSpPr>
+      <p:grpSpPr>
+        <a:xfrm>
+          <a:off x="0" y="0"/>
+          <a:ext cx="0" cy="0"/>
+          <a:chOff x="0" y="0"/>
+          <a:chExt cx="0" cy="0"/>
+        </a:xfrm>
+      </p:grpSpPr>
+      <p:sp>
+        <p:nvSpPr>
+          <p:cNvPr id="5" name="Title 4"/>
+          <p:cNvSpPr>
+            <a:spLocks noGrp="1"/>
+          </p:cNvSpPr>
+          <p:nvPr>
+            <p:ph type="title"/>
+          </p:nvPr>
+        </p:nvSpPr>
+        <p:spPr/>
+        <p:txBody>
+          <a:bodyPr/>
+          <a:lstStyle/>
+          <a:p>
+            <a:r>
+              <a:rPr lang="en-US" dirty="0" smtClean="0"/>
+              <a:t>Conclusion</a:t>
+            </a:r>
+            <a:endParaRPr lang="en-US" dirty="0"/>
+          </a:p>
+        </p:txBody>
+      </p:sp>
+      <p:sp>
+        <p:nvSpPr>
+          <p:cNvPr id="6" name="Content Placeholder 5"/>
+          <p:cNvSpPr>
+            <a:spLocks noGrp="1"/>
+          </p:cNvSpPr>
+          <p:nvPr>
+            <p:ph idx="1"/>
+          </p:nvPr>
+        </p:nvSpPr>
+        <p:spPr/>
+        <p:txBody>
+          <a:bodyPr/>
+          <a:lstStyle/>
+          <a:p>
+            <a:r>
+              <a:rPr lang="en-US" dirty="0" smtClean="0"/>
+              <a:t>New features: not that great</a:t>
+            </a:r>
+          </a:p>
+          <a:p>
+            <a:endParaRPr lang="en-US" dirty="0"/>
+          </a:p>
+          <a:p>
+            <a:r>
+              <a:rPr lang="en-US" dirty="0" smtClean="0"/>
+              <a:t>Advanced model: reduce test error by 17% </a:t>
+            </a:r>
+            <a:endParaRPr lang="en-US" dirty="0"/>
+          </a:p>
+        </p:txBody>
+      </p:sp>
+    </p:spTree>
+    <p:extLst>
+      <p:ext uri="{BB962C8B-B14F-4D97-AF65-F5344CB8AC3E}">
+        <p14:creationId xmlns:p14="http://schemas.microsoft.com/office/powerpoint/2010/main" val="4094775370"/>
       </p:ext>
     </p:extLst>
   </p:cSld>
